--- a/media/ppt/repvisforODK_demo_event.pptx
+++ b/media/ppt/repvisforODK_demo_event.pptx
@@ -5,10 +5,10 @@
     <p:sldMasterId id="2147483716" r:id="rId1"/>
   </p:sldMasterIdLst>
   <p:notesMasterIdLst>
-    <p:notesMasterId r:id="rId12"/>
+    <p:notesMasterId r:id="rId13"/>
   </p:notesMasterIdLst>
   <p:handoutMasterIdLst>
-    <p:handoutMasterId r:id="rId13"/>
+    <p:handoutMasterId r:id="rId14"/>
   </p:handoutMasterIdLst>
   <p:sldIdLst>
     <p:sldId id="2026" r:id="rId2"/>
@@ -20,7 +20,8 @@
     <p:sldId id="2106" r:id="rId8"/>
     <p:sldId id="2020" r:id="rId9"/>
     <p:sldId id="2104" r:id="rId10"/>
-    <p:sldId id="2094" r:id="rId11"/>
+    <p:sldId id="2108" r:id="rId11"/>
+    <p:sldId id="2094" r:id="rId12"/>
   </p:sldIdLst>
   <p:sldSz cx="9144000" cy="5143500" type="screen16x9"/>
   <p:notesSz cx="7099300" cy="10234613"/>
@@ -139,6 +140,7 @@
             <p14:sldId id="2106"/>
             <p14:sldId id="2020"/>
             <p14:sldId id="2104"/>
+            <p14:sldId id="2108"/>
             <p14:sldId id="2094"/>
           </p14:sldIdLst>
         </p14:section>
@@ -288,7 +290,7 @@
                 <a:latin typeface="Arial" panose="020B0604020202020204" pitchFamily="34" charset="0"/>
                 <a:cs typeface="Arial" panose="020B0604020202020204" pitchFamily="34" charset="0"/>
               </a:rPr>
-              <a:t>24/01/2022</a:t>
+              <a:t>27/01/2022</a:t>
             </a:fld>
             <a:endParaRPr lang="en-GB" dirty="0">
               <a:latin typeface="Arial" panose="020B0604020202020204" pitchFamily="34" charset="0"/>
@@ -883,6 +885,73 @@
     <p:extLst>
       <p:ext uri="{BB962C8B-B14F-4D97-AF65-F5344CB8AC3E}">
         <p14:creationId xmlns:p14="http://schemas.microsoft.com/office/powerpoint/2010/main" val="96005952"/>
+      </p:ext>
+    </p:extLst>
+  </p:cSld>
+  <p:clrMapOvr>
+    <a:masterClrMapping/>
+  </p:clrMapOvr>
+</p:notes>
+</file>
+
+<file path=ppt/notesSlides/notesSlide6.xml><?xml version="1.0" encoding="utf-8"?>
+<p:notes xmlns:a="http://schemas.openxmlformats.org/drawingml/2006/main" xmlns:r="http://schemas.openxmlformats.org/officeDocument/2006/relationships" xmlns:p="http://schemas.openxmlformats.org/presentationml/2006/main">
+  <p:cSld>
+    <p:spTree>
+      <p:nvGrpSpPr>
+        <p:cNvPr id="1" name=""/>
+        <p:cNvGrpSpPr/>
+        <p:nvPr/>
+      </p:nvGrpSpPr>
+      <p:grpSpPr>
+        <a:xfrm>
+          <a:off x="0" y="0"/>
+          <a:ext cx="0" cy="0"/>
+          <a:chOff x="0" y="0"/>
+          <a:chExt cx="0" cy="0"/>
+        </a:xfrm>
+      </p:grpSpPr>
+      <p:sp>
+        <p:nvSpPr>
+          <p:cNvPr id="2" name="Slide Image Placeholder 1"/>
+          <p:cNvSpPr>
+            <a:spLocks noGrp="1" noRot="1" noChangeAspect="1"/>
+          </p:cNvSpPr>
+          <p:nvPr>
+            <p:ph type="sldImg"/>
+          </p:nvPr>
+        </p:nvSpPr>
+        <p:spPr/>
+      </p:sp>
+      <p:sp>
+        <p:nvSpPr>
+          <p:cNvPr id="3" name="Notes Placeholder 2"/>
+          <p:cNvSpPr>
+            <a:spLocks noGrp="1"/>
+          </p:cNvSpPr>
+          <p:nvPr>
+            <p:ph type="body" idx="1"/>
+          </p:nvPr>
+        </p:nvSpPr>
+        <p:spPr/>
+        <p:txBody>
+          <a:bodyPr/>
+          <a:lstStyle/>
+          <a:p>
+            <a:r>
+              <a:rPr lang="en-US" dirty="0"/>
+              <a:t>Update with image brochure info – send to </a:t>
+            </a:r>
+          </a:p>
+          <a:p>
+            <a:endParaRPr lang="en-US" dirty="0"/>
+          </a:p>
+        </p:txBody>
+      </p:sp>
+    </p:spTree>
+    <p:extLst>
+      <p:ext uri="{BB962C8B-B14F-4D97-AF65-F5344CB8AC3E}">
+        <p14:creationId xmlns:p14="http://schemas.microsoft.com/office/powerpoint/2010/main" val="427385883"/>
       </p:ext>
     </p:extLst>
   </p:cSld>
@@ -11816,11 +11885,7 @@
             </a:r>
             <a:r>
               <a:rPr lang="en-US" dirty="0" smtClean="0"/>
-              <a:t> January </a:t>
-            </a:r>
-            <a:r>
-              <a:rPr lang="en-US" dirty="0" smtClean="0"/>
-              <a:t>2021</a:t>
+              <a:t> January 2021</a:t>
             </a:r>
             <a:endParaRPr lang="en-US" dirty="0"/>
           </a:p>
@@ -11908,6 +11973,1137 @@
       </p:grpSpPr>
       <p:sp>
         <p:nvSpPr>
+          <p:cNvPr id="12" name="TextBox 11"/>
+          <p:cNvSpPr txBox="1"/>
+          <p:nvPr/>
+        </p:nvSpPr>
+        <p:spPr>
+          <a:xfrm>
+            <a:off x="8532440" y="160075"/>
+            <a:ext cx="360040" cy="208879"/>
+          </a:xfrm>
+          <a:prstGeom prst="rect">
+            <a:avLst/>
+          </a:prstGeom>
+        </p:spPr>
+        <p:txBody>
+          <a:bodyPr vert="horz" wrap="none" lIns="91440" tIns="45720" rIns="91440" bIns="45720" rtlCol="0">
+            <a:normAutofit/>
+          </a:bodyPr>
+          <a:lstStyle/>
+          <a:p>
+            <a:pPr marL="0" indent="0" algn="l">
+              <a:buNone/>
+            </a:pPr>
+            <a:r>
+              <a:rPr lang="en-US" sz="800" i="1" dirty="0" smtClean="0">
+                <a:solidFill>
+                  <a:schemeClr val="accent1"/>
+                </a:solidFill>
+              </a:rPr>
+              <a:t>Part III</a:t>
+            </a:r>
+            <a:endParaRPr lang="de-CH" sz="800" b="0" i="1" dirty="0" smtClean="0">
+              <a:solidFill>
+                <a:schemeClr val="accent1"/>
+              </a:solidFill>
+            </a:endParaRPr>
+          </a:p>
+        </p:txBody>
+      </p:sp>
+      <p:sp>
+        <p:nvSpPr>
+          <p:cNvPr id="13" name="Text Placeholder 6">
+            <a:extLst>
+              <a:ext uri="{FF2B5EF4-FFF2-40B4-BE49-F238E27FC236}">
+                <a16:creationId xmlns:a16="http://schemas.microsoft.com/office/drawing/2014/main" id="{DCB8E8FC-0C25-4C82-B667-3CD99CFB9A2E}"/>
+              </a:ext>
+            </a:extLst>
+          </p:cNvPr>
+          <p:cNvSpPr txBox="1">
+            <a:spLocks/>
+          </p:cNvSpPr>
+          <p:nvPr/>
+        </p:nvSpPr>
+        <p:spPr>
+          <a:xfrm>
+            <a:off x="607281" y="2193871"/>
+            <a:ext cx="3604679" cy="1212856"/>
+          </a:xfrm>
+          <a:prstGeom prst="rect">
+            <a:avLst/>
+          </a:prstGeom>
+        </p:spPr>
+        <p:txBody>
+          <a:bodyPr/>
+          <a:lstStyle>
+            <a:lvl1pPr marL="171450" indent="-171450" algn="l" defTabSz="914400" rtl="0" eaLnBrk="1" latinLnBrk="0" hangingPunct="1">
+              <a:lnSpc>
+                <a:spcPct val="100000"/>
+              </a:lnSpc>
+              <a:spcBef>
+                <a:spcPts val="300"/>
+              </a:spcBef>
+              <a:buClr>
+                <a:schemeClr val="accent2"/>
+              </a:buClr>
+              <a:buSzPct val="125000"/>
+              <a:buFont typeface="Arial" panose="020B0604020202020204" pitchFamily="34" charset="0"/>
+              <a:buChar char="•"/>
+              <a:defRPr sz="1800" b="0" i="0" kern="1200">
+                <a:solidFill>
+                  <a:schemeClr val="accent1"/>
+                </a:solidFill>
+                <a:latin typeface="Arial" panose="020B0604020202020204" pitchFamily="34" charset="0"/>
+                <a:ea typeface="+mn-ea"/>
+                <a:cs typeface="+mn-cs"/>
+              </a:defRPr>
+            </a:lvl1pPr>
+            <a:lvl2pPr marL="449263" indent="-171450" algn="l" defTabSz="914400" rtl="0" eaLnBrk="1" latinLnBrk="0" hangingPunct="1">
+              <a:lnSpc>
+                <a:spcPct val="100000"/>
+              </a:lnSpc>
+              <a:spcBef>
+                <a:spcPts val="300"/>
+              </a:spcBef>
+              <a:buClr>
+                <a:schemeClr val="accent2"/>
+              </a:buClr>
+              <a:buSzPct val="125000"/>
+              <a:buFont typeface="System Font Regular"/>
+              <a:buChar char="-"/>
+              <a:defRPr sz="1600" b="0" i="0" kern="1200">
+                <a:solidFill>
+                  <a:schemeClr val="accent1"/>
+                </a:solidFill>
+                <a:latin typeface="Arial" panose="020B0604020202020204" pitchFamily="34" charset="0"/>
+                <a:ea typeface="+mn-ea"/>
+                <a:cs typeface="+mn-cs"/>
+              </a:defRPr>
+            </a:lvl2pPr>
+            <a:lvl3pPr marL="719138" indent="-171450" algn="l" defTabSz="914400" rtl="0" eaLnBrk="1" latinLnBrk="0" hangingPunct="1">
+              <a:lnSpc>
+                <a:spcPct val="100000"/>
+              </a:lnSpc>
+              <a:spcBef>
+                <a:spcPts val="300"/>
+              </a:spcBef>
+              <a:buClr>
+                <a:schemeClr val="accent2"/>
+              </a:buClr>
+              <a:buSzPct val="125000"/>
+              <a:buFont typeface="Wingdings" panose="05000000000000000000" pitchFamily="2" charset="2"/>
+              <a:buChar char="§"/>
+              <a:defRPr sz="1600" b="0" i="0" kern="1200">
+                <a:solidFill>
+                  <a:schemeClr val="accent1"/>
+                </a:solidFill>
+                <a:latin typeface="Arial" panose="020B0604020202020204" pitchFamily="34" charset="0"/>
+                <a:ea typeface="+mn-ea"/>
+                <a:cs typeface="+mn-cs"/>
+              </a:defRPr>
+            </a:lvl3pPr>
+            <a:lvl4pPr marL="987425" indent="-171450" algn="l" defTabSz="914400" rtl="0" eaLnBrk="1" latinLnBrk="0" hangingPunct="1">
+              <a:lnSpc>
+                <a:spcPct val="100000"/>
+              </a:lnSpc>
+              <a:spcBef>
+                <a:spcPts val="300"/>
+              </a:spcBef>
+              <a:buClr>
+                <a:schemeClr val="accent2"/>
+              </a:buClr>
+              <a:buSzPct val="125000"/>
+              <a:buFont typeface="System Font Regular"/>
+              <a:buChar char="-"/>
+              <a:defRPr sz="1600" b="0" i="0" kern="1200">
+                <a:solidFill>
+                  <a:schemeClr val="accent1"/>
+                </a:solidFill>
+                <a:latin typeface="Arial" panose="020B0604020202020204" pitchFamily="34" charset="0"/>
+                <a:ea typeface="+mn-ea"/>
+                <a:cs typeface="+mn-cs"/>
+              </a:defRPr>
+            </a:lvl4pPr>
+            <a:lvl5pPr marL="1680210" indent="-171450" algn="l" defTabSz="914400" rtl="0" eaLnBrk="1" latinLnBrk="0" hangingPunct="1">
+              <a:lnSpc>
+                <a:spcPct val="100000"/>
+              </a:lnSpc>
+              <a:spcBef>
+                <a:spcPts val="300"/>
+              </a:spcBef>
+              <a:buClr>
+                <a:schemeClr val="accent2"/>
+              </a:buClr>
+              <a:buSzPct val="125000"/>
+              <a:buFont typeface="System Font Regular"/>
+              <a:buChar char="-"/>
+              <a:defRPr sz="1050" b="0" i="0" kern="1200">
+                <a:solidFill>
+                  <a:schemeClr val="accent1"/>
+                </a:solidFill>
+                <a:latin typeface="Arial" panose="020B0604020202020204" pitchFamily="34" charset="0"/>
+                <a:ea typeface="+mn-ea"/>
+                <a:cs typeface="+mn-cs"/>
+              </a:defRPr>
+            </a:lvl5pPr>
+            <a:lvl6pPr marL="2514600" indent="-228600" algn="l" defTabSz="914400" rtl="0" eaLnBrk="1" latinLnBrk="0" hangingPunct="1">
+              <a:lnSpc>
+                <a:spcPct val="90000"/>
+              </a:lnSpc>
+              <a:spcBef>
+                <a:spcPts val="500"/>
+              </a:spcBef>
+              <a:buFont typeface="Arial" panose="020B0604020202020204" pitchFamily="34" charset="0"/>
+              <a:buChar char="•"/>
+              <a:defRPr sz="1800" kern="1200">
+                <a:solidFill>
+                  <a:schemeClr val="tx1"/>
+                </a:solidFill>
+                <a:latin typeface="+mn-lt"/>
+                <a:ea typeface="+mn-ea"/>
+                <a:cs typeface="+mn-cs"/>
+              </a:defRPr>
+            </a:lvl6pPr>
+            <a:lvl7pPr marL="2971800" indent="-228600" algn="l" defTabSz="914400" rtl="0" eaLnBrk="1" latinLnBrk="0" hangingPunct="1">
+              <a:lnSpc>
+                <a:spcPct val="90000"/>
+              </a:lnSpc>
+              <a:spcBef>
+                <a:spcPts val="500"/>
+              </a:spcBef>
+              <a:buFont typeface="Arial" panose="020B0604020202020204" pitchFamily="34" charset="0"/>
+              <a:buChar char="•"/>
+              <a:defRPr sz="1800" kern="1200">
+                <a:solidFill>
+                  <a:schemeClr val="tx1"/>
+                </a:solidFill>
+                <a:latin typeface="+mn-lt"/>
+                <a:ea typeface="+mn-ea"/>
+                <a:cs typeface="+mn-cs"/>
+              </a:defRPr>
+            </a:lvl7pPr>
+            <a:lvl8pPr marL="3429000" indent="-228600" algn="l" defTabSz="914400" rtl="0" eaLnBrk="1" latinLnBrk="0" hangingPunct="1">
+              <a:lnSpc>
+                <a:spcPct val="90000"/>
+              </a:lnSpc>
+              <a:spcBef>
+                <a:spcPts val="500"/>
+              </a:spcBef>
+              <a:buFont typeface="Arial" panose="020B0604020202020204" pitchFamily="34" charset="0"/>
+              <a:buChar char="•"/>
+              <a:defRPr sz="1800" kern="1200">
+                <a:solidFill>
+                  <a:schemeClr val="tx1"/>
+                </a:solidFill>
+                <a:latin typeface="+mn-lt"/>
+                <a:ea typeface="+mn-ea"/>
+                <a:cs typeface="+mn-cs"/>
+              </a:defRPr>
+            </a:lvl8pPr>
+            <a:lvl9pPr marL="3886200" indent="-228600" algn="l" defTabSz="914400" rtl="0" eaLnBrk="1" latinLnBrk="0" hangingPunct="1">
+              <a:lnSpc>
+                <a:spcPct val="90000"/>
+              </a:lnSpc>
+              <a:spcBef>
+                <a:spcPts val="500"/>
+              </a:spcBef>
+              <a:buFont typeface="Arial" panose="020B0604020202020204" pitchFamily="34" charset="0"/>
+              <a:buChar char="•"/>
+              <a:defRPr sz="1800" kern="1200">
+                <a:solidFill>
+                  <a:schemeClr val="tx1"/>
+                </a:solidFill>
+                <a:latin typeface="+mn-lt"/>
+                <a:ea typeface="+mn-ea"/>
+                <a:cs typeface="+mn-cs"/>
+              </a:defRPr>
+            </a:lvl9pPr>
+          </a:lstStyle>
+          <a:p>
+            <a:pPr marL="0" indent="0">
+              <a:buFont typeface="Arial" panose="020B0604020202020204" pitchFamily="34" charset="0"/>
+              <a:buNone/>
+            </a:pPr>
+            <a:endParaRPr lang="en-GB" sz="1400" dirty="0"/>
+          </a:p>
+        </p:txBody>
+      </p:sp>
+      <p:sp>
+        <p:nvSpPr>
+          <p:cNvPr id="17" name="Text Placeholder 14">
+            <a:extLst>
+              <a:ext uri="{FF2B5EF4-FFF2-40B4-BE49-F238E27FC236}">
+                <a16:creationId xmlns:a16="http://schemas.microsoft.com/office/drawing/2014/main" id="{4BBE4DAB-8E00-407F-AEF5-613EFBB08FF8}"/>
+              </a:ext>
+            </a:extLst>
+          </p:cNvPr>
+          <p:cNvSpPr txBox="1">
+            <a:spLocks/>
+          </p:cNvSpPr>
+          <p:nvPr/>
+        </p:nvSpPr>
+        <p:spPr>
+          <a:xfrm>
+            <a:off x="1331640" y="1785927"/>
+            <a:ext cx="1440160" cy="452867"/>
+          </a:xfrm>
+          <a:prstGeom prst="rect">
+            <a:avLst/>
+          </a:prstGeom>
+        </p:spPr>
+        <p:txBody>
+          <a:bodyPr/>
+          <a:lstStyle>
+            <a:lvl1pPr marL="171450" indent="-171450" algn="l" defTabSz="914400" rtl="0" eaLnBrk="1" latinLnBrk="0" hangingPunct="1">
+              <a:lnSpc>
+                <a:spcPct val="100000"/>
+              </a:lnSpc>
+              <a:spcBef>
+                <a:spcPts val="300"/>
+              </a:spcBef>
+              <a:buClr>
+                <a:schemeClr val="accent2"/>
+              </a:buClr>
+              <a:buSzPct val="125000"/>
+              <a:buFont typeface="Arial" panose="020B0604020202020204" pitchFamily="34" charset="0"/>
+              <a:buChar char="•"/>
+              <a:defRPr sz="1800" b="0" i="0" kern="1200">
+                <a:solidFill>
+                  <a:schemeClr val="accent1"/>
+                </a:solidFill>
+                <a:latin typeface="Arial" panose="020B0604020202020204" pitchFamily="34" charset="0"/>
+                <a:ea typeface="+mn-ea"/>
+                <a:cs typeface="+mn-cs"/>
+              </a:defRPr>
+            </a:lvl1pPr>
+            <a:lvl2pPr marL="449263" indent="-171450" algn="l" defTabSz="914400" rtl="0" eaLnBrk="1" latinLnBrk="0" hangingPunct="1">
+              <a:lnSpc>
+                <a:spcPct val="100000"/>
+              </a:lnSpc>
+              <a:spcBef>
+                <a:spcPts val="300"/>
+              </a:spcBef>
+              <a:buClr>
+                <a:schemeClr val="accent2"/>
+              </a:buClr>
+              <a:buSzPct val="125000"/>
+              <a:buFont typeface="System Font Regular"/>
+              <a:buChar char="-"/>
+              <a:defRPr sz="1600" b="0" i="0" kern="1200">
+                <a:solidFill>
+                  <a:schemeClr val="accent1"/>
+                </a:solidFill>
+                <a:latin typeface="Arial" panose="020B0604020202020204" pitchFamily="34" charset="0"/>
+                <a:ea typeface="+mn-ea"/>
+                <a:cs typeface="+mn-cs"/>
+              </a:defRPr>
+            </a:lvl2pPr>
+            <a:lvl3pPr marL="719138" indent="-171450" algn="l" defTabSz="914400" rtl="0" eaLnBrk="1" latinLnBrk="0" hangingPunct="1">
+              <a:lnSpc>
+                <a:spcPct val="100000"/>
+              </a:lnSpc>
+              <a:spcBef>
+                <a:spcPts val="300"/>
+              </a:spcBef>
+              <a:buClr>
+                <a:schemeClr val="accent2"/>
+              </a:buClr>
+              <a:buSzPct val="125000"/>
+              <a:buFont typeface="Wingdings" panose="05000000000000000000" pitchFamily="2" charset="2"/>
+              <a:buChar char="§"/>
+              <a:defRPr sz="1600" b="0" i="0" kern="1200">
+                <a:solidFill>
+                  <a:schemeClr val="accent1"/>
+                </a:solidFill>
+                <a:latin typeface="Arial" panose="020B0604020202020204" pitchFamily="34" charset="0"/>
+                <a:ea typeface="+mn-ea"/>
+                <a:cs typeface="+mn-cs"/>
+              </a:defRPr>
+            </a:lvl3pPr>
+            <a:lvl4pPr marL="987425" indent="-171450" algn="l" defTabSz="914400" rtl="0" eaLnBrk="1" latinLnBrk="0" hangingPunct="1">
+              <a:lnSpc>
+                <a:spcPct val="100000"/>
+              </a:lnSpc>
+              <a:spcBef>
+                <a:spcPts val="300"/>
+              </a:spcBef>
+              <a:buClr>
+                <a:schemeClr val="accent2"/>
+              </a:buClr>
+              <a:buSzPct val="125000"/>
+              <a:buFont typeface="System Font Regular"/>
+              <a:buChar char="-"/>
+              <a:defRPr sz="1600" b="0" i="0" kern="1200">
+                <a:solidFill>
+                  <a:schemeClr val="accent1"/>
+                </a:solidFill>
+                <a:latin typeface="Arial" panose="020B0604020202020204" pitchFamily="34" charset="0"/>
+                <a:ea typeface="+mn-ea"/>
+                <a:cs typeface="+mn-cs"/>
+              </a:defRPr>
+            </a:lvl4pPr>
+            <a:lvl5pPr marL="1680210" indent="-171450" algn="l" defTabSz="914400" rtl="0" eaLnBrk="1" latinLnBrk="0" hangingPunct="1">
+              <a:lnSpc>
+                <a:spcPct val="100000"/>
+              </a:lnSpc>
+              <a:spcBef>
+                <a:spcPts val="300"/>
+              </a:spcBef>
+              <a:buClr>
+                <a:schemeClr val="accent2"/>
+              </a:buClr>
+              <a:buSzPct val="125000"/>
+              <a:buFont typeface="System Font Regular"/>
+              <a:buChar char="-"/>
+              <a:defRPr sz="1050" b="0" i="0" kern="1200">
+                <a:solidFill>
+                  <a:schemeClr val="accent1"/>
+                </a:solidFill>
+                <a:latin typeface="Arial" panose="020B0604020202020204" pitchFamily="34" charset="0"/>
+                <a:ea typeface="+mn-ea"/>
+                <a:cs typeface="+mn-cs"/>
+              </a:defRPr>
+            </a:lvl5pPr>
+            <a:lvl6pPr marL="2514600" indent="-228600" algn="l" defTabSz="914400" rtl="0" eaLnBrk="1" latinLnBrk="0" hangingPunct="1">
+              <a:lnSpc>
+                <a:spcPct val="90000"/>
+              </a:lnSpc>
+              <a:spcBef>
+                <a:spcPts val="500"/>
+              </a:spcBef>
+              <a:buFont typeface="Arial" panose="020B0604020202020204" pitchFamily="34" charset="0"/>
+              <a:buChar char="•"/>
+              <a:defRPr sz="1800" kern="1200">
+                <a:solidFill>
+                  <a:schemeClr val="tx1"/>
+                </a:solidFill>
+                <a:latin typeface="+mn-lt"/>
+                <a:ea typeface="+mn-ea"/>
+                <a:cs typeface="+mn-cs"/>
+              </a:defRPr>
+            </a:lvl6pPr>
+            <a:lvl7pPr marL="2971800" indent="-228600" algn="l" defTabSz="914400" rtl="0" eaLnBrk="1" latinLnBrk="0" hangingPunct="1">
+              <a:lnSpc>
+                <a:spcPct val="90000"/>
+              </a:lnSpc>
+              <a:spcBef>
+                <a:spcPts val="500"/>
+              </a:spcBef>
+              <a:buFont typeface="Arial" panose="020B0604020202020204" pitchFamily="34" charset="0"/>
+              <a:buChar char="•"/>
+              <a:defRPr sz="1800" kern="1200">
+                <a:solidFill>
+                  <a:schemeClr val="tx1"/>
+                </a:solidFill>
+                <a:latin typeface="+mn-lt"/>
+                <a:ea typeface="+mn-ea"/>
+                <a:cs typeface="+mn-cs"/>
+              </a:defRPr>
+            </a:lvl7pPr>
+            <a:lvl8pPr marL="3429000" indent="-228600" algn="l" defTabSz="914400" rtl="0" eaLnBrk="1" latinLnBrk="0" hangingPunct="1">
+              <a:lnSpc>
+                <a:spcPct val="90000"/>
+              </a:lnSpc>
+              <a:spcBef>
+                <a:spcPts val="500"/>
+              </a:spcBef>
+              <a:buFont typeface="Arial" panose="020B0604020202020204" pitchFamily="34" charset="0"/>
+              <a:buChar char="•"/>
+              <a:defRPr sz="1800" kern="1200">
+                <a:solidFill>
+                  <a:schemeClr val="tx1"/>
+                </a:solidFill>
+                <a:latin typeface="+mn-lt"/>
+                <a:ea typeface="+mn-ea"/>
+                <a:cs typeface="+mn-cs"/>
+              </a:defRPr>
+            </a:lvl8pPr>
+            <a:lvl9pPr marL="3886200" indent="-228600" algn="l" defTabSz="914400" rtl="0" eaLnBrk="1" latinLnBrk="0" hangingPunct="1">
+              <a:lnSpc>
+                <a:spcPct val="90000"/>
+              </a:lnSpc>
+              <a:spcBef>
+                <a:spcPts val="500"/>
+              </a:spcBef>
+              <a:buFont typeface="Arial" panose="020B0604020202020204" pitchFamily="34" charset="0"/>
+              <a:buChar char="•"/>
+              <a:defRPr sz="1800" kern="1200">
+                <a:solidFill>
+                  <a:schemeClr val="tx1"/>
+                </a:solidFill>
+                <a:latin typeface="+mn-lt"/>
+                <a:ea typeface="+mn-ea"/>
+                <a:cs typeface="+mn-cs"/>
+              </a:defRPr>
+            </a:lvl9pPr>
+          </a:lstStyle>
+          <a:p>
+            <a:pPr marL="0" indent="0">
+              <a:buNone/>
+            </a:pPr>
+            <a:r>
+              <a:rPr lang="en-US" dirty="0" smtClean="0">
+                <a:solidFill>
+                  <a:srgbClr val="C00000"/>
+                </a:solidFill>
+              </a:rPr>
+              <a:t>Limitations</a:t>
+            </a:r>
+            <a:endParaRPr lang="en-US" dirty="0">
+              <a:solidFill>
+                <a:srgbClr val="C00000"/>
+              </a:solidFill>
+            </a:endParaRPr>
+          </a:p>
+        </p:txBody>
+      </p:sp>
+      <p:sp>
+        <p:nvSpPr>
+          <p:cNvPr id="20" name="Title 1"/>
+          <p:cNvSpPr>
+            <a:spLocks noGrp="1"/>
+          </p:cNvSpPr>
+          <p:nvPr>
+            <p:ph type="title"/>
+          </p:nvPr>
+        </p:nvSpPr>
+        <p:spPr>
+          <a:xfrm>
+            <a:off x="492214" y="339502"/>
+            <a:ext cx="7168281" cy="637949"/>
+          </a:xfrm>
+        </p:spPr>
+        <p:txBody>
+          <a:bodyPr/>
+          <a:lstStyle/>
+          <a:p>
+            <a:pPr algn="l"/>
+            <a:r>
+              <a:rPr lang="en-US" dirty="0" smtClean="0"/>
+              <a:t>Limitations and Issues</a:t>
+            </a:r>
+            <a:r>
+              <a:rPr lang="en-US" dirty="0"/>
+              <a:t/>
+            </a:r>
+            <a:br>
+              <a:rPr lang="en-US" dirty="0"/>
+            </a:br>
+            <a:endParaRPr lang="de-CH" dirty="0"/>
+          </a:p>
+        </p:txBody>
+      </p:sp>
+      <p:sp>
+        <p:nvSpPr>
+          <p:cNvPr id="22" name="Rectangle 21">
+            <a:extLst>
+              <a:ext uri="{FF2B5EF4-FFF2-40B4-BE49-F238E27FC236}">
+                <a16:creationId xmlns:a16="http://schemas.microsoft.com/office/drawing/2014/main" id="{177FEA95-4B0F-E747-839F-6196BC4B655E}"/>
+              </a:ext>
+            </a:extLst>
+          </p:cNvPr>
+          <p:cNvSpPr/>
+          <p:nvPr/>
+        </p:nvSpPr>
+        <p:spPr>
+          <a:xfrm>
+            <a:off x="539552" y="2283718"/>
+            <a:ext cx="3888432" cy="1296144"/>
+          </a:xfrm>
+          <a:prstGeom prst="rect">
+            <a:avLst/>
+          </a:prstGeom>
+          <a:solidFill>
+            <a:schemeClr val="bg1"/>
+          </a:solidFill>
+          <a:ln>
+            <a:noFill/>
+          </a:ln>
+        </p:spPr>
+        <p:style>
+          <a:lnRef idx="2">
+            <a:schemeClr val="accent1">
+              <a:shade val="50000"/>
+            </a:schemeClr>
+          </a:lnRef>
+          <a:fillRef idx="1">
+            <a:schemeClr val="accent1"/>
+          </a:fillRef>
+          <a:effectRef idx="0">
+            <a:schemeClr val="accent1"/>
+          </a:effectRef>
+          <a:fontRef idx="minor">
+            <a:schemeClr val="lt1"/>
+          </a:fontRef>
+        </p:style>
+        <p:txBody>
+          <a:bodyPr lIns="137160" tIns="36000" rtlCol="0" anchor="t"/>
+          <a:lstStyle/>
+          <a:p>
+            <a:pPr marL="137160" indent="-137160" algn="l">
+              <a:lnSpc>
+                <a:spcPct val="100000"/>
+              </a:lnSpc>
+              <a:spcBef>
+                <a:spcPts val="300"/>
+              </a:spcBef>
+              <a:buClr>
+                <a:schemeClr val="accent2"/>
+              </a:buClr>
+              <a:buFont typeface="Arial" panose="020B0604020202020204" pitchFamily="34" charset="0"/>
+              <a:buChar char="•"/>
+            </a:pPr>
+            <a:r>
+              <a:rPr lang="en-GB" sz="1400" dirty="0" smtClean="0">
+                <a:solidFill>
+                  <a:schemeClr val="tx1"/>
+                </a:solidFill>
+                <a:latin typeface="Arial" panose="020B0604020202020204" pitchFamily="34" charset="0"/>
+              </a:rPr>
+              <a:t>App doesn’t support encrypted forms</a:t>
+            </a:r>
+          </a:p>
+          <a:p>
+            <a:pPr marL="137160" indent="-137160" algn="l">
+              <a:lnSpc>
+                <a:spcPct val="100000"/>
+              </a:lnSpc>
+              <a:spcBef>
+                <a:spcPts val="300"/>
+              </a:spcBef>
+              <a:buClr>
+                <a:schemeClr val="accent2"/>
+              </a:buClr>
+              <a:buFont typeface="Arial" panose="020B0604020202020204" pitchFamily="34" charset="0"/>
+              <a:buChar char="•"/>
+            </a:pPr>
+            <a:r>
+              <a:rPr lang="en-GB" sz="1400" dirty="0" smtClean="0">
+                <a:solidFill>
+                  <a:schemeClr val="tx1"/>
+                </a:solidFill>
+                <a:latin typeface="Arial" panose="020B0604020202020204" pitchFamily="34" charset="0"/>
+              </a:rPr>
+              <a:t>Multiple-choice question answers have to be stored in one column</a:t>
+            </a:r>
+          </a:p>
+          <a:p>
+            <a:pPr marL="137160" indent="-137160" algn="l">
+              <a:lnSpc>
+                <a:spcPct val="100000"/>
+              </a:lnSpc>
+              <a:spcBef>
+                <a:spcPts val="300"/>
+              </a:spcBef>
+              <a:buClr>
+                <a:schemeClr val="accent2"/>
+              </a:buClr>
+              <a:buFont typeface="Arial" panose="020B0604020202020204" pitchFamily="34" charset="0"/>
+              <a:buChar char="•"/>
+            </a:pPr>
+            <a:r>
+              <a:rPr lang="en-GB" sz="1400" dirty="0" smtClean="0">
+                <a:solidFill>
+                  <a:schemeClr val="tx1"/>
+                </a:solidFill>
+                <a:latin typeface="Arial" panose="020B0604020202020204" pitchFamily="34" charset="0"/>
+              </a:rPr>
+              <a:t>No support of repeat groups</a:t>
+            </a:r>
+          </a:p>
+          <a:p>
+            <a:pPr marL="137160" indent="-137160" algn="l">
+              <a:lnSpc>
+                <a:spcPct val="100000"/>
+              </a:lnSpc>
+              <a:spcBef>
+                <a:spcPts val="300"/>
+              </a:spcBef>
+              <a:buClr>
+                <a:schemeClr val="accent2"/>
+              </a:buClr>
+              <a:buFont typeface="Arial" panose="020B0604020202020204" pitchFamily="34" charset="0"/>
+              <a:buChar char="•"/>
+            </a:pPr>
+            <a:r>
+              <a:rPr lang="en-GB" sz="1400" dirty="0">
+                <a:solidFill>
+                  <a:schemeClr val="tx1"/>
+                </a:solidFill>
+                <a:latin typeface="Arial" panose="020B0604020202020204" pitchFamily="34" charset="0"/>
+              </a:rPr>
+              <a:t>Error handling</a:t>
+            </a:r>
+            <a:endParaRPr lang="en-GB" sz="1050" dirty="0">
+              <a:latin typeface="Arial" panose="020B0604020202020204" pitchFamily="34" charset="0"/>
+            </a:endParaRPr>
+          </a:p>
+          <a:p>
+            <a:pPr marL="137160" indent="-137160" algn="l">
+              <a:lnSpc>
+                <a:spcPct val="100000"/>
+              </a:lnSpc>
+              <a:spcBef>
+                <a:spcPts val="300"/>
+              </a:spcBef>
+              <a:buClr>
+                <a:schemeClr val="accent2"/>
+              </a:buClr>
+              <a:buFont typeface="Arial" panose="020B0604020202020204" pitchFamily="34" charset="0"/>
+              <a:buChar char="•"/>
+            </a:pPr>
+            <a:endParaRPr lang="en-GB" sz="1400" dirty="0" smtClean="0">
+              <a:solidFill>
+                <a:schemeClr val="tx1"/>
+              </a:solidFill>
+              <a:latin typeface="Arial" panose="020B0604020202020204" pitchFamily="34" charset="0"/>
+            </a:endParaRPr>
+          </a:p>
+          <a:p>
+            <a:pPr marL="137160" indent="-137160" algn="l">
+              <a:lnSpc>
+                <a:spcPct val="100000"/>
+              </a:lnSpc>
+              <a:spcBef>
+                <a:spcPts val="300"/>
+              </a:spcBef>
+              <a:buClr>
+                <a:schemeClr val="accent2"/>
+              </a:buClr>
+              <a:buFont typeface="Arial" panose="020B0604020202020204" pitchFamily="34" charset="0"/>
+              <a:buChar char="•"/>
+            </a:pPr>
+            <a:endParaRPr lang="en-GB" sz="1050" dirty="0">
+              <a:latin typeface="Arial" panose="020B0604020202020204" pitchFamily="34" charset="0"/>
+            </a:endParaRPr>
+          </a:p>
+        </p:txBody>
+      </p:sp>
+      <p:sp>
+        <p:nvSpPr>
+          <p:cNvPr id="23" name="Text Placeholder 14">
+            <a:extLst>
+              <a:ext uri="{FF2B5EF4-FFF2-40B4-BE49-F238E27FC236}">
+                <a16:creationId xmlns:a16="http://schemas.microsoft.com/office/drawing/2014/main" id="{4BBE4DAB-8E00-407F-AEF5-613EFBB08FF8}"/>
+              </a:ext>
+            </a:extLst>
+          </p:cNvPr>
+          <p:cNvSpPr txBox="1">
+            <a:spLocks/>
+          </p:cNvSpPr>
+          <p:nvPr/>
+        </p:nvSpPr>
+        <p:spPr>
+          <a:xfrm>
+            <a:off x="5796136" y="1789081"/>
+            <a:ext cx="1440160" cy="452867"/>
+          </a:xfrm>
+          <a:prstGeom prst="rect">
+            <a:avLst/>
+          </a:prstGeom>
+        </p:spPr>
+        <p:txBody>
+          <a:bodyPr/>
+          <a:lstStyle>
+            <a:lvl1pPr marL="171450" indent="-171450" algn="l" defTabSz="914400" rtl="0" eaLnBrk="1" latinLnBrk="0" hangingPunct="1">
+              <a:lnSpc>
+                <a:spcPct val="100000"/>
+              </a:lnSpc>
+              <a:spcBef>
+                <a:spcPts val="300"/>
+              </a:spcBef>
+              <a:buClr>
+                <a:schemeClr val="accent2"/>
+              </a:buClr>
+              <a:buSzPct val="125000"/>
+              <a:buFont typeface="Arial" panose="020B0604020202020204" pitchFamily="34" charset="0"/>
+              <a:buChar char="•"/>
+              <a:defRPr sz="1800" b="0" i="0" kern="1200">
+                <a:solidFill>
+                  <a:schemeClr val="accent1"/>
+                </a:solidFill>
+                <a:latin typeface="Arial" panose="020B0604020202020204" pitchFamily="34" charset="0"/>
+                <a:ea typeface="+mn-ea"/>
+                <a:cs typeface="+mn-cs"/>
+              </a:defRPr>
+            </a:lvl1pPr>
+            <a:lvl2pPr marL="449263" indent="-171450" algn="l" defTabSz="914400" rtl="0" eaLnBrk="1" latinLnBrk="0" hangingPunct="1">
+              <a:lnSpc>
+                <a:spcPct val="100000"/>
+              </a:lnSpc>
+              <a:spcBef>
+                <a:spcPts val="300"/>
+              </a:spcBef>
+              <a:buClr>
+                <a:schemeClr val="accent2"/>
+              </a:buClr>
+              <a:buSzPct val="125000"/>
+              <a:buFont typeface="System Font Regular"/>
+              <a:buChar char="-"/>
+              <a:defRPr sz="1600" b="0" i="0" kern="1200">
+                <a:solidFill>
+                  <a:schemeClr val="accent1"/>
+                </a:solidFill>
+                <a:latin typeface="Arial" panose="020B0604020202020204" pitchFamily="34" charset="0"/>
+                <a:ea typeface="+mn-ea"/>
+                <a:cs typeface="+mn-cs"/>
+              </a:defRPr>
+            </a:lvl2pPr>
+            <a:lvl3pPr marL="719138" indent="-171450" algn="l" defTabSz="914400" rtl="0" eaLnBrk="1" latinLnBrk="0" hangingPunct="1">
+              <a:lnSpc>
+                <a:spcPct val="100000"/>
+              </a:lnSpc>
+              <a:spcBef>
+                <a:spcPts val="300"/>
+              </a:spcBef>
+              <a:buClr>
+                <a:schemeClr val="accent2"/>
+              </a:buClr>
+              <a:buSzPct val="125000"/>
+              <a:buFont typeface="Wingdings" panose="05000000000000000000" pitchFamily="2" charset="2"/>
+              <a:buChar char="§"/>
+              <a:defRPr sz="1600" b="0" i="0" kern="1200">
+                <a:solidFill>
+                  <a:schemeClr val="accent1"/>
+                </a:solidFill>
+                <a:latin typeface="Arial" panose="020B0604020202020204" pitchFamily="34" charset="0"/>
+                <a:ea typeface="+mn-ea"/>
+                <a:cs typeface="+mn-cs"/>
+              </a:defRPr>
+            </a:lvl3pPr>
+            <a:lvl4pPr marL="987425" indent="-171450" algn="l" defTabSz="914400" rtl="0" eaLnBrk="1" latinLnBrk="0" hangingPunct="1">
+              <a:lnSpc>
+                <a:spcPct val="100000"/>
+              </a:lnSpc>
+              <a:spcBef>
+                <a:spcPts val="300"/>
+              </a:spcBef>
+              <a:buClr>
+                <a:schemeClr val="accent2"/>
+              </a:buClr>
+              <a:buSzPct val="125000"/>
+              <a:buFont typeface="System Font Regular"/>
+              <a:buChar char="-"/>
+              <a:defRPr sz="1600" b="0" i="0" kern="1200">
+                <a:solidFill>
+                  <a:schemeClr val="accent1"/>
+                </a:solidFill>
+                <a:latin typeface="Arial" panose="020B0604020202020204" pitchFamily="34" charset="0"/>
+                <a:ea typeface="+mn-ea"/>
+                <a:cs typeface="+mn-cs"/>
+              </a:defRPr>
+            </a:lvl4pPr>
+            <a:lvl5pPr marL="1680210" indent="-171450" algn="l" defTabSz="914400" rtl="0" eaLnBrk="1" latinLnBrk="0" hangingPunct="1">
+              <a:lnSpc>
+                <a:spcPct val="100000"/>
+              </a:lnSpc>
+              <a:spcBef>
+                <a:spcPts val="300"/>
+              </a:spcBef>
+              <a:buClr>
+                <a:schemeClr val="accent2"/>
+              </a:buClr>
+              <a:buSzPct val="125000"/>
+              <a:buFont typeface="System Font Regular"/>
+              <a:buChar char="-"/>
+              <a:defRPr sz="1050" b="0" i="0" kern="1200">
+                <a:solidFill>
+                  <a:schemeClr val="accent1"/>
+                </a:solidFill>
+                <a:latin typeface="Arial" panose="020B0604020202020204" pitchFamily="34" charset="0"/>
+                <a:ea typeface="+mn-ea"/>
+                <a:cs typeface="+mn-cs"/>
+              </a:defRPr>
+            </a:lvl5pPr>
+            <a:lvl6pPr marL="2514600" indent="-228600" algn="l" defTabSz="914400" rtl="0" eaLnBrk="1" latinLnBrk="0" hangingPunct="1">
+              <a:lnSpc>
+                <a:spcPct val="90000"/>
+              </a:lnSpc>
+              <a:spcBef>
+                <a:spcPts val="500"/>
+              </a:spcBef>
+              <a:buFont typeface="Arial" panose="020B0604020202020204" pitchFamily="34" charset="0"/>
+              <a:buChar char="•"/>
+              <a:defRPr sz="1800" kern="1200">
+                <a:solidFill>
+                  <a:schemeClr val="tx1"/>
+                </a:solidFill>
+                <a:latin typeface="+mn-lt"/>
+                <a:ea typeface="+mn-ea"/>
+                <a:cs typeface="+mn-cs"/>
+              </a:defRPr>
+            </a:lvl6pPr>
+            <a:lvl7pPr marL="2971800" indent="-228600" algn="l" defTabSz="914400" rtl="0" eaLnBrk="1" latinLnBrk="0" hangingPunct="1">
+              <a:lnSpc>
+                <a:spcPct val="90000"/>
+              </a:lnSpc>
+              <a:spcBef>
+                <a:spcPts val="500"/>
+              </a:spcBef>
+              <a:buFont typeface="Arial" panose="020B0604020202020204" pitchFamily="34" charset="0"/>
+              <a:buChar char="•"/>
+              <a:defRPr sz="1800" kern="1200">
+                <a:solidFill>
+                  <a:schemeClr val="tx1"/>
+                </a:solidFill>
+                <a:latin typeface="+mn-lt"/>
+                <a:ea typeface="+mn-ea"/>
+                <a:cs typeface="+mn-cs"/>
+              </a:defRPr>
+            </a:lvl7pPr>
+            <a:lvl8pPr marL="3429000" indent="-228600" algn="l" defTabSz="914400" rtl="0" eaLnBrk="1" latinLnBrk="0" hangingPunct="1">
+              <a:lnSpc>
+                <a:spcPct val="90000"/>
+              </a:lnSpc>
+              <a:spcBef>
+                <a:spcPts val="500"/>
+              </a:spcBef>
+              <a:buFont typeface="Arial" panose="020B0604020202020204" pitchFamily="34" charset="0"/>
+              <a:buChar char="•"/>
+              <a:defRPr sz="1800" kern="1200">
+                <a:solidFill>
+                  <a:schemeClr val="tx1"/>
+                </a:solidFill>
+                <a:latin typeface="+mn-lt"/>
+                <a:ea typeface="+mn-ea"/>
+                <a:cs typeface="+mn-cs"/>
+              </a:defRPr>
+            </a:lvl8pPr>
+            <a:lvl9pPr marL="3886200" indent="-228600" algn="l" defTabSz="914400" rtl="0" eaLnBrk="1" latinLnBrk="0" hangingPunct="1">
+              <a:lnSpc>
+                <a:spcPct val="90000"/>
+              </a:lnSpc>
+              <a:spcBef>
+                <a:spcPts val="500"/>
+              </a:spcBef>
+              <a:buFont typeface="Arial" panose="020B0604020202020204" pitchFamily="34" charset="0"/>
+              <a:buChar char="•"/>
+              <a:defRPr sz="1800" kern="1200">
+                <a:solidFill>
+                  <a:schemeClr val="tx1"/>
+                </a:solidFill>
+                <a:latin typeface="+mn-lt"/>
+                <a:ea typeface="+mn-ea"/>
+                <a:cs typeface="+mn-cs"/>
+              </a:defRPr>
+            </a:lvl9pPr>
+          </a:lstStyle>
+          <a:p>
+            <a:pPr marL="0" indent="0">
+              <a:buNone/>
+            </a:pPr>
+            <a:r>
+              <a:rPr lang="en-US" dirty="0" smtClean="0">
+                <a:solidFill>
+                  <a:srgbClr val="C00000"/>
+                </a:solidFill>
+              </a:rPr>
+              <a:t>Issues</a:t>
+            </a:r>
+            <a:endParaRPr lang="en-US" dirty="0">
+              <a:solidFill>
+                <a:srgbClr val="C00000"/>
+              </a:solidFill>
+            </a:endParaRPr>
+          </a:p>
+        </p:txBody>
+      </p:sp>
+      <p:sp>
+        <p:nvSpPr>
+          <p:cNvPr id="24" name="Rectangle 23">
+            <a:extLst>
+              <a:ext uri="{FF2B5EF4-FFF2-40B4-BE49-F238E27FC236}">
+                <a16:creationId xmlns:a16="http://schemas.microsoft.com/office/drawing/2014/main" id="{177FEA95-4B0F-E747-839F-6196BC4B655E}"/>
+              </a:ext>
+            </a:extLst>
+          </p:cNvPr>
+          <p:cNvSpPr/>
+          <p:nvPr/>
+        </p:nvSpPr>
+        <p:spPr>
+          <a:xfrm>
+            <a:off x="4716016" y="2283718"/>
+            <a:ext cx="3816424" cy="1296144"/>
+          </a:xfrm>
+          <a:prstGeom prst="rect">
+            <a:avLst/>
+          </a:prstGeom>
+          <a:solidFill>
+            <a:schemeClr val="bg1"/>
+          </a:solidFill>
+          <a:ln>
+            <a:noFill/>
+          </a:ln>
+        </p:spPr>
+        <p:style>
+          <a:lnRef idx="2">
+            <a:schemeClr val="accent1">
+              <a:shade val="50000"/>
+            </a:schemeClr>
+          </a:lnRef>
+          <a:fillRef idx="1">
+            <a:schemeClr val="accent1"/>
+          </a:fillRef>
+          <a:effectRef idx="0">
+            <a:schemeClr val="accent1"/>
+          </a:effectRef>
+          <a:fontRef idx="minor">
+            <a:schemeClr val="lt1"/>
+          </a:fontRef>
+        </p:style>
+        <p:txBody>
+          <a:bodyPr lIns="137160" tIns="36000" rtlCol="0" anchor="t"/>
+          <a:lstStyle/>
+          <a:p>
+            <a:pPr marL="137160" indent="-137160" algn="l">
+              <a:lnSpc>
+                <a:spcPct val="100000"/>
+              </a:lnSpc>
+              <a:spcBef>
+                <a:spcPts val="300"/>
+              </a:spcBef>
+              <a:buClr>
+                <a:schemeClr val="accent2"/>
+              </a:buClr>
+              <a:buFont typeface="Arial" panose="020B0604020202020204" pitchFamily="34" charset="0"/>
+              <a:buChar char="•"/>
+            </a:pPr>
+            <a:r>
+              <a:rPr lang="en-GB" sz="1400" dirty="0" smtClean="0">
+                <a:solidFill>
+                  <a:schemeClr val="tx1"/>
+                </a:solidFill>
+                <a:latin typeface="Arial" panose="020B0604020202020204" pitchFamily="34" charset="0"/>
+              </a:rPr>
+              <a:t>Only one word cloud per report is rendered</a:t>
+            </a:r>
+          </a:p>
+          <a:p>
+            <a:pPr marL="137160" indent="-137160" algn="l">
+              <a:lnSpc>
+                <a:spcPct val="100000"/>
+              </a:lnSpc>
+              <a:spcBef>
+                <a:spcPts val="300"/>
+              </a:spcBef>
+              <a:buClr>
+                <a:schemeClr val="accent2"/>
+              </a:buClr>
+              <a:buFont typeface="Arial" panose="020B0604020202020204" pitchFamily="34" charset="0"/>
+              <a:buChar char="•"/>
+            </a:pPr>
+            <a:r>
+              <a:rPr lang="en-GB" sz="1400" dirty="0" smtClean="0">
+                <a:solidFill>
+                  <a:schemeClr val="tx1"/>
+                </a:solidFill>
+                <a:latin typeface="Arial" panose="020B0604020202020204" pitchFamily="34" charset="0"/>
+              </a:rPr>
+              <a:t>Column filter inputs don’t always show inserted text</a:t>
+            </a:r>
+          </a:p>
+        </p:txBody>
+      </p:sp>
+      <p:pic>
+        <p:nvPicPr>
+          <p:cNvPr id="5" name="Picture 4"/>
+          <p:cNvPicPr>
+            <a:picLocks noChangeAspect="1"/>
+          </p:cNvPicPr>
+          <p:nvPr/>
+        </p:nvPicPr>
+        <p:blipFill>
+          <a:blip r:embed="rId3" cstate="print">
+            <a:extLst>
+              <a:ext uri="{28A0092B-C50C-407E-A947-70E740481C1C}">
+                <a14:useLocalDpi xmlns:a14="http://schemas.microsoft.com/office/drawing/2010/main" val="0"/>
+              </a:ext>
+            </a:extLst>
+          </a:blip>
+          <a:stretch>
+            <a:fillRect/>
+          </a:stretch>
+        </p:blipFill>
+        <p:spPr>
+          <a:xfrm>
+            <a:off x="2625186" y="1700083"/>
+            <a:ext cx="509253" cy="509253"/>
+          </a:xfrm>
+          <a:prstGeom prst="rect">
+            <a:avLst/>
+          </a:prstGeom>
+        </p:spPr>
+      </p:pic>
+      <p:pic>
+        <p:nvPicPr>
+          <p:cNvPr id="7" name="Picture 6"/>
+          <p:cNvPicPr>
+            <a:picLocks noChangeAspect="1"/>
+          </p:cNvPicPr>
+          <p:nvPr/>
+        </p:nvPicPr>
+        <p:blipFill>
+          <a:blip r:embed="rId4" cstate="print">
+            <a:extLst>
+              <a:ext uri="{28A0092B-C50C-407E-A947-70E740481C1C}">
+                <a14:useLocalDpi xmlns:a14="http://schemas.microsoft.com/office/drawing/2010/main" val="0"/>
+              </a:ext>
+            </a:extLst>
+          </a:blip>
+          <a:stretch>
+            <a:fillRect/>
+          </a:stretch>
+        </p:blipFill>
+        <p:spPr>
+          <a:xfrm>
+            <a:off x="6660232" y="1715550"/>
+            <a:ext cx="478321" cy="478321"/>
+          </a:xfrm>
+          <a:prstGeom prst="rect">
+            <a:avLst/>
+          </a:prstGeom>
+        </p:spPr>
+      </p:pic>
+    </p:spTree>
+    <p:extLst>
+      <p:ext uri="{BB962C8B-B14F-4D97-AF65-F5344CB8AC3E}">
+        <p14:creationId xmlns:p14="http://schemas.microsoft.com/office/powerpoint/2010/main" val="2228575160"/>
+      </p:ext>
+    </p:extLst>
+  </p:cSld>
+  <p:clrMapOvr>
+    <a:masterClrMapping/>
+  </p:clrMapOvr>
+  <p:timing>
+    <p:tnLst>
+      <p:par>
+        <p:cTn id="1" dur="indefinite" restart="never" nodeType="tmRoot"/>
+      </p:par>
+    </p:tnLst>
+  </p:timing>
+</p:sld>
+</file>
+
+<file path=ppt/slides/slide11.xml><?xml version="1.0" encoding="utf-8"?>
+<p:sld xmlns:a="http://schemas.openxmlformats.org/drawingml/2006/main" xmlns:r="http://schemas.openxmlformats.org/officeDocument/2006/relationships" xmlns:p="http://schemas.openxmlformats.org/presentationml/2006/main">
+  <p:cSld>
+    <p:spTree>
+      <p:nvGrpSpPr>
+        <p:cNvPr id="1" name=""/>
+        <p:cNvGrpSpPr/>
+        <p:nvPr/>
+      </p:nvGrpSpPr>
+      <p:grpSpPr>
+        <a:xfrm>
+          <a:off x="0" y="0"/>
+          <a:ext cx="0" cy="0"/>
+          <a:chOff x="0" y="0"/>
+          <a:chExt cx="0" cy="0"/>
+        </a:xfrm>
+      </p:grpSpPr>
+      <p:sp>
+        <p:nvSpPr>
           <p:cNvPr id="3" name="TextBox 2">
             <a:extLst>
               <a:ext uri="{FF2B5EF4-FFF2-40B4-BE49-F238E27FC236}">
@@ -12063,7 +13259,7 @@
         <p:spPr>
           <a:xfrm>
             <a:off x="1331640" y="987574"/>
-            <a:ext cx="6552728" cy="3316650"/>
+            <a:ext cx="6552728" cy="3243751"/>
           </a:xfrm>
           <a:prstGeom prst="rect">
             <a:avLst/>
@@ -12212,7 +13408,7 @@
         </p:nvSpPr>
         <p:spPr>
           <a:xfrm>
-            <a:off x="2485660" y="4231325"/>
+            <a:off x="2485660" y="4170441"/>
             <a:ext cx="3986908" cy="60884"/>
           </a:xfrm>
           <a:prstGeom prst="rect">
@@ -12382,7 +13578,7 @@
         </p:nvSpPr>
         <p:spPr>
           <a:xfrm>
-            <a:off x="1691681" y="2252966"/>
+            <a:off x="1691681" y="2139702"/>
             <a:ext cx="5826228" cy="794229"/>
           </a:xfrm>
           <a:prstGeom prst="rect">
@@ -12467,8 +13663,8 @@
         </p:nvSpPr>
         <p:spPr>
           <a:xfrm>
-            <a:off x="1691680" y="3336712"/>
-            <a:ext cx="5826229" cy="732721"/>
+            <a:off x="1691680" y="3110184"/>
+            <a:ext cx="5826229" cy="882598"/>
           </a:xfrm>
           <a:prstGeom prst="rect">
             <a:avLst/>
@@ -12537,8 +13733,32 @@
                   <a:srgbClr val="C00000"/>
                 </a:solidFill>
               </a:rPr>
-              <a:t>How to contribute?</a:t>
-            </a:r>
+              <a:t>How to contribute</a:t>
+            </a:r>
+            <a:r>
+              <a:rPr lang="en-US" sz="1400" dirty="0" smtClean="0">
+                <a:solidFill>
+                  <a:srgbClr val="C00000"/>
+                </a:solidFill>
+              </a:rPr>
+              <a:t>?</a:t>
+            </a:r>
+          </a:p>
+          <a:p>
+            <a:pPr algn="ctr"/>
+            <a:r>
+              <a:rPr lang="en-US" sz="1400" dirty="0" smtClean="0">
+                <a:solidFill>
+                  <a:srgbClr val="C00000"/>
+                </a:solidFill>
+              </a:rPr>
+              <a:t>Limitations and Issues</a:t>
+            </a:r>
+            <a:endParaRPr lang="en-US" sz="1400" dirty="0" smtClean="0">
+              <a:solidFill>
+                <a:srgbClr val="C00000"/>
+              </a:solidFill>
+            </a:endParaRPr>
           </a:p>
         </p:txBody>
       </p:sp>
@@ -14528,12 +15748,6 @@
               </a:rPr>
               <a:t>Requires software skills</a:t>
             </a:r>
-            <a:endParaRPr lang="en-GB" sz="1800" dirty="0" smtClean="0">
-              <a:solidFill>
-                <a:schemeClr val="tx1"/>
-              </a:solidFill>
-              <a:latin typeface="Arial" panose="020B0604020202020204" pitchFamily="34" charset="0"/>
-            </a:endParaRPr>
           </a:p>
           <a:p>
             <a:pPr marL="182880" indent="-182880">
@@ -15719,12 +16933,6 @@
                 </a:rPr>
                 <a:t>Requires software skills</a:t>
               </a:r>
-              <a:endParaRPr lang="en-GB" sz="1800" dirty="0" smtClean="0">
-                <a:solidFill>
-                  <a:schemeClr val="tx1"/>
-                </a:solidFill>
-                <a:latin typeface="Arial" panose="020B0604020202020204" pitchFamily="34" charset="0"/>
-              </a:endParaRPr>
             </a:p>
             <a:p>
               <a:pPr marL="182880" indent="-182880">
@@ -16968,11 +18176,7 @@
             </a:pPr>
             <a:r>
               <a:rPr lang="en-GB" sz="1400" dirty="0" smtClean="0"/>
-              <a:t>Adds a layer of abstraction and allows usage </a:t>
-            </a:r>
-            <a:r>
-              <a:rPr lang="en-GB" sz="1400" dirty="0" smtClean="0"/>
-              <a:t>in a customizable environment:</a:t>
+              <a:t>Adds a layer of abstraction and allows usage in a customizable environment:</a:t>
             </a:r>
             <a:br>
               <a:rPr lang="en-GB" sz="1400" dirty="0" smtClean="0"/>
@@ -17886,16 +19090,7 @@
                 </a:solidFill>
                 <a:latin typeface="Arial" panose="020B0604020202020204" pitchFamily="34" charset="0"/>
               </a:rPr>
-              <a:t> </a:t>
-            </a:r>
-            <a:r>
-              <a:rPr lang="en-GB" sz="1000" dirty="0" smtClean="0">
-                <a:solidFill>
-                  <a:schemeClr val="tx1"/>
-                </a:solidFill>
-                <a:latin typeface="Arial" panose="020B0604020202020204" pitchFamily="34" charset="0"/>
-              </a:rPr>
-              <a:t>is documented</a:t>
+              <a:t> is documented</a:t>
             </a:r>
           </a:p>
           <a:p>
@@ -18089,7 +19284,7 @@
         </p:nvSpPr>
         <p:spPr>
           <a:xfrm>
-            <a:off x="1698862" y="915988"/>
+            <a:off x="1619672" y="915988"/>
             <a:ext cx="6938725" cy="799200"/>
           </a:xfrm>
           <a:prstGeom prst="rect">
@@ -18139,12 +19334,6 @@
               </a:rPr>
               <a:t>Install package </a:t>
             </a:r>
-            <a:endParaRPr lang="en-GB" sz="1100" dirty="0">
-              <a:solidFill>
-                <a:srgbClr val="468AB2"/>
-              </a:solidFill>
-              <a:latin typeface="Arial" panose="020B0604020202020204" pitchFamily="34" charset="0"/>
-            </a:endParaRPr>
           </a:p>
           <a:p>
             <a:pPr marL="137160" indent="-137160" algn="l">
@@ -18179,9 +19368,6 @@
               </a:rPr>
               <a:t> install development version from GitHub</a:t>
             </a:r>
-            <a:endParaRPr lang="en-GB" sz="1050" dirty="0">
-              <a:latin typeface="Arial" panose="020B0604020202020204" pitchFamily="34" charset="0"/>
-            </a:endParaRPr>
           </a:p>
           <a:p>
             <a:pPr marL="137160" indent="-137160" algn="l">
@@ -18198,121 +19384,74 @@
               <a:buChar char="•"/>
             </a:pPr>
             <a:r>
-              <a:rPr lang="en-GB" sz="1050" dirty="0" smtClean="0">
+              <a:rPr lang="en-GB" sz="1000" dirty="0" smtClean="0">
                 <a:solidFill>
                   <a:schemeClr val="tx1"/>
                 </a:solidFill>
                 <a:latin typeface="Arial" panose="020B0604020202020204" pitchFamily="34" charset="0"/>
                 <a:sym typeface="Wingdings" panose="05000000000000000000" pitchFamily="2" charset="2"/>
               </a:rPr>
-              <a:t>require(“</a:t>
-            </a:r>
-            <a:r>
-              <a:rPr lang="en-GB" sz="1050" dirty="0" err="1" smtClean="0">
+              <a:t>Follow-along code here: </a:t>
+            </a:r>
+            <a:r>
+              <a:rPr lang="en-GB" sz="1000" dirty="0" smtClean="0">
+                <a:solidFill>
+                  <a:schemeClr val="tx1"/>
+                </a:solidFill>
+                <a:latin typeface="Arial" panose="020B0604020202020204" pitchFamily="34" charset="0"/>
+                <a:sym typeface="Wingdings" panose="05000000000000000000" pitchFamily="2" charset="2"/>
+                <a:hlinkClick r:id="rId3"/>
+              </a:rPr>
+              <a:t>Link</a:t>
+            </a:r>
+            <a:r>
+              <a:rPr lang="en-GB" sz="1000" dirty="0">
                 <a:solidFill>
                   <a:schemeClr val="tx1"/>
                 </a:solidFill>
                 <a:latin typeface="Arial" panose="020B0604020202020204" pitchFamily="34" charset="0"/>
                 <a:sym typeface="Wingdings" panose="05000000000000000000" pitchFamily="2" charset="2"/>
               </a:rPr>
-              <a:t>devtools</a:t>
-            </a:r>
-            <a:r>
-              <a:rPr lang="en-GB" sz="1050" dirty="0" smtClean="0">
+              <a:t> </a:t>
+            </a:r>
+          </a:p>
+          <a:p>
+            <a:pPr marL="137160" indent="-137160" algn="l">
+              <a:lnSpc>
+                <a:spcPct val="100000"/>
+              </a:lnSpc>
+              <a:spcBef>
+                <a:spcPts val="300"/>
+              </a:spcBef>
+              <a:buClr>
+                <a:schemeClr val="accent2"/>
+              </a:buClr>
+              <a:buFont typeface="Arial" panose="020B0604020202020204" pitchFamily="34" charset="0"/>
+              <a:buChar char="•"/>
+            </a:pPr>
+            <a:r>
+              <a:rPr lang="en-GB" sz="1000" dirty="0" smtClean="0">
                 <a:solidFill>
                   <a:schemeClr val="tx1"/>
                 </a:solidFill>
                 <a:latin typeface="Arial" panose="020B0604020202020204" pitchFamily="34" charset="0"/>
                 <a:sym typeface="Wingdings" panose="05000000000000000000" pitchFamily="2" charset="2"/>
               </a:rPr>
-              <a:t>”); </a:t>
-            </a:r>
-            <a:r>
-              <a:rPr lang="en-GB" sz="1050" dirty="0" err="1" smtClean="0">
+              <a:t>Follow-along video here: </a:t>
+            </a:r>
+            <a:r>
+              <a:rPr lang="en-GB" sz="1000" dirty="0" smtClean="0">
                 <a:solidFill>
                   <a:schemeClr val="tx1"/>
                 </a:solidFill>
                 <a:latin typeface="Arial" panose="020B0604020202020204" pitchFamily="34" charset="0"/>
                 <a:sym typeface="Wingdings" panose="05000000000000000000" pitchFamily="2" charset="2"/>
+                <a:hlinkClick r:id="rId4"/>
               </a:rPr>
-              <a:t>devtools</a:t>
-            </a:r>
-            <a:r>
-              <a:rPr lang="en-GB" sz="1050" dirty="0" smtClean="0">
-                <a:solidFill>
-                  <a:schemeClr val="tx1"/>
-                </a:solidFill>
-                <a:latin typeface="Arial" panose="020B0604020202020204" pitchFamily="34" charset="0"/>
-                <a:sym typeface="Wingdings" panose="05000000000000000000" pitchFamily="2" charset="2"/>
-              </a:rPr>
-              <a:t>::</a:t>
-            </a:r>
-            <a:r>
-              <a:rPr lang="en-GB" sz="1050" dirty="0" err="1" smtClean="0">
-                <a:solidFill>
-                  <a:schemeClr val="tx1"/>
-                </a:solidFill>
-                <a:latin typeface="Arial" panose="020B0604020202020204" pitchFamily="34" charset="0"/>
-                <a:sym typeface="Wingdings" panose="05000000000000000000" pitchFamily="2" charset="2"/>
-              </a:rPr>
-              <a:t>install_github</a:t>
-            </a:r>
-            <a:r>
-              <a:rPr lang="en-GB" sz="1050" dirty="0" smtClean="0">
-                <a:solidFill>
-                  <a:schemeClr val="tx1"/>
-                </a:solidFill>
-                <a:latin typeface="Arial" panose="020B0604020202020204" pitchFamily="34" charset="0"/>
-                <a:sym typeface="Wingdings" panose="05000000000000000000" pitchFamily="2" charset="2"/>
-              </a:rPr>
-              <a:t>(“</a:t>
-            </a:r>
-            <a:r>
-              <a:rPr lang="en-GB" sz="1050" dirty="0" err="1" smtClean="0">
-                <a:solidFill>
-                  <a:schemeClr val="tx1"/>
-                </a:solidFill>
-                <a:latin typeface="Arial" panose="020B0604020202020204" pitchFamily="34" charset="0"/>
-                <a:sym typeface="Wingdings" panose="05000000000000000000" pitchFamily="2" charset="2"/>
-              </a:rPr>
-              <a:t>swisstph</a:t>
-            </a:r>
-            <a:r>
-              <a:rPr lang="en-GB" sz="1050" dirty="0" smtClean="0">
-                <a:solidFill>
-                  <a:schemeClr val="tx1"/>
-                </a:solidFill>
-                <a:latin typeface="Arial" panose="020B0604020202020204" pitchFamily="34" charset="0"/>
-                <a:sym typeface="Wingdings" panose="05000000000000000000" pitchFamily="2" charset="2"/>
-              </a:rPr>
-              <a:t>/</a:t>
-            </a:r>
-            <a:r>
-              <a:rPr lang="en-GB" sz="1050" dirty="0" err="1" smtClean="0">
-                <a:solidFill>
-                  <a:schemeClr val="tx1"/>
-                </a:solidFill>
-                <a:latin typeface="Arial" panose="020B0604020202020204" pitchFamily="34" charset="0"/>
-                <a:sym typeface="Wingdings" panose="05000000000000000000" pitchFamily="2" charset="2"/>
-              </a:rPr>
-              <a:t>repvisforODK</a:t>
-            </a:r>
-            <a:r>
-              <a:rPr lang="en-GB" sz="1050" dirty="0" smtClean="0">
-                <a:solidFill>
-                  <a:schemeClr val="tx1"/>
-                </a:solidFill>
-                <a:latin typeface="Arial" panose="020B0604020202020204" pitchFamily="34" charset="0"/>
-                <a:sym typeface="Wingdings" panose="05000000000000000000" pitchFamily="2" charset="2"/>
-              </a:rPr>
-              <a:t>”)</a:t>
-            </a:r>
-            <a:endParaRPr lang="en-GB" sz="1000" dirty="0" smtClean="0">
-              <a:solidFill>
-                <a:schemeClr val="tx1"/>
-              </a:solidFill>
+              <a:t>Link</a:t>
+            </a:r>
+            <a:endParaRPr lang="en-GB" sz="1050" dirty="0">
               <a:latin typeface="Arial" panose="020B0604020202020204" pitchFamily="34" charset="0"/>
-              <a:sym typeface="Wingdings" panose="05000000000000000000" pitchFamily="2" charset="2"/>
             </a:endParaRPr>
           </a:p>
         </p:txBody>
@@ -18438,7 +19577,7 @@
                   <a:schemeClr val="tx1"/>
                 </a:solidFill>
                 <a:latin typeface="Arial" panose="020B0604020202020204" pitchFamily="34" charset="0"/>
-                <a:hlinkClick r:id="rId3"/>
+                <a:hlinkClick r:id="rId5"/>
               </a:rPr>
               <a:t>Link</a:t>
             </a:r>
@@ -18454,66 +19593,6 @@
       <p:pic>
         <p:nvPicPr>
           <p:cNvPr id="2" name="Picture 1"/>
-          <p:cNvPicPr>
-            <a:picLocks noChangeAspect="1"/>
-          </p:cNvPicPr>
-          <p:nvPr/>
-        </p:nvPicPr>
-        <p:blipFill>
-          <a:blip r:embed="rId4" cstate="print">
-            <a:extLst>
-              <a:ext uri="{28A0092B-C50C-407E-A947-70E740481C1C}">
-                <a14:useLocalDpi xmlns:a14="http://schemas.microsoft.com/office/drawing/2010/main" val="0"/>
-              </a:ext>
-            </a:extLst>
-          </a:blip>
-          <a:stretch>
-            <a:fillRect/>
-          </a:stretch>
-        </p:blipFill>
-        <p:spPr>
-          <a:xfrm>
-            <a:off x="683568" y="880308"/>
-            <a:ext cx="834880" cy="834880"/>
-          </a:xfrm>
-          <a:prstGeom prst="rect">
-            <a:avLst/>
-          </a:prstGeom>
-        </p:spPr>
-      </p:pic>
-      <p:pic>
-        <p:nvPicPr>
-          <p:cNvPr id="6" name="Picture 5"/>
-          <p:cNvPicPr>
-            <a:picLocks noChangeAspect="1"/>
-          </p:cNvPicPr>
-          <p:nvPr/>
-        </p:nvPicPr>
-        <p:blipFill>
-          <a:blip r:embed="rId5" cstate="print">
-            <a:extLst>
-              <a:ext uri="{28A0092B-C50C-407E-A947-70E740481C1C}">
-                <a14:useLocalDpi xmlns:a14="http://schemas.microsoft.com/office/drawing/2010/main" val="0"/>
-              </a:ext>
-            </a:extLst>
-          </a:blip>
-          <a:stretch>
-            <a:fillRect/>
-          </a:stretch>
-        </p:blipFill>
-        <p:spPr>
-          <a:xfrm>
-            <a:off x="755576" y="1848996"/>
-            <a:ext cx="762872" cy="762872"/>
-          </a:xfrm>
-          <a:prstGeom prst="rect">
-            <a:avLst/>
-          </a:prstGeom>
-        </p:spPr>
-      </p:pic>
-      <p:pic>
-        <p:nvPicPr>
-          <p:cNvPr id="7" name="Picture 6"/>
           <p:cNvPicPr>
             <a:picLocks noChangeAspect="1"/>
           </p:cNvPicPr>
@@ -18533,6 +19612,66 @@
         </p:blipFill>
         <p:spPr>
           <a:xfrm>
+            <a:off x="683568" y="880308"/>
+            <a:ext cx="834880" cy="834880"/>
+          </a:xfrm>
+          <a:prstGeom prst="rect">
+            <a:avLst/>
+          </a:prstGeom>
+        </p:spPr>
+      </p:pic>
+      <p:pic>
+        <p:nvPicPr>
+          <p:cNvPr id="6" name="Picture 5"/>
+          <p:cNvPicPr>
+            <a:picLocks noChangeAspect="1"/>
+          </p:cNvPicPr>
+          <p:nvPr/>
+        </p:nvPicPr>
+        <p:blipFill>
+          <a:blip r:embed="rId7" cstate="print">
+            <a:extLst>
+              <a:ext uri="{28A0092B-C50C-407E-A947-70E740481C1C}">
+                <a14:useLocalDpi xmlns:a14="http://schemas.microsoft.com/office/drawing/2010/main" val="0"/>
+              </a:ext>
+            </a:extLst>
+          </a:blip>
+          <a:stretch>
+            <a:fillRect/>
+          </a:stretch>
+        </p:blipFill>
+        <p:spPr>
+          <a:xfrm>
+            <a:off x="755576" y="1848996"/>
+            <a:ext cx="762872" cy="762872"/>
+          </a:xfrm>
+          <a:prstGeom prst="rect">
+            <a:avLst/>
+          </a:prstGeom>
+        </p:spPr>
+      </p:pic>
+      <p:pic>
+        <p:nvPicPr>
+          <p:cNvPr id="7" name="Picture 6"/>
+          <p:cNvPicPr>
+            <a:picLocks noChangeAspect="1"/>
+          </p:cNvPicPr>
+          <p:nvPr/>
+        </p:nvPicPr>
+        <p:blipFill>
+          <a:blip r:embed="rId8" cstate="print">
+            <a:extLst>
+              <a:ext uri="{28A0092B-C50C-407E-A947-70E740481C1C}">
+                <a14:useLocalDpi xmlns:a14="http://schemas.microsoft.com/office/drawing/2010/main" val="0"/>
+              </a:ext>
+            </a:extLst>
+          </a:blip>
+          <a:stretch>
+            <a:fillRect/>
+          </a:stretch>
+        </p:blipFill>
+        <p:spPr>
+          <a:xfrm>
             <a:off x="683568" y="2779905"/>
             <a:ext cx="803153" cy="803153"/>
           </a:xfrm>
@@ -18550,7 +19689,7 @@
           <p:nvPr/>
         </p:nvPicPr>
         <p:blipFill>
-          <a:blip r:embed="rId7" cstate="print">
+          <a:blip r:embed="rId9" cstate="print">
             <a:extLst>
               <a:ext uri="{28A0092B-C50C-407E-A947-70E740481C1C}">
                 <a14:useLocalDpi xmlns:a14="http://schemas.microsoft.com/office/drawing/2010/main" val="0"/>
